--- a/PhysiCell-template.pptx
+++ b/PhysiCell-template.pptx
@@ -4486,7 +4486,7 @@
         </p:blipFill>
         <p:spPr>
           <a:xfrm>
-            <a:off x="3596768" y="3029556"/>
+            <a:off x="3589148" y="3025746"/>
             <a:ext cx="228600" cy="228600"/>
           </a:xfrm>
           <a:prstGeom prst="rect">

--- a/PhysiCell-template.pptx
+++ b/PhysiCell-template.pptx
@@ -3400,7 +3400,7 @@
               </a14:hiddenLine>
             </a:ext>
             <a:ext uri="{FAA26D3D-D897-4be2-8F04-BA451C77F1D7}">
-              <ma14:placeholderFlag xmlns:ma14="http://schemas.microsoft.com/office/mac/drawingml/2011/main" xmlns="" val="1"/>
+              <ma14:placeholderFlag xmlns="" xmlns:ma14="http://schemas.microsoft.com/office/mac/drawingml/2011/main" val="1"/>
             </a:ext>
           </a:extLst>
         </p:spPr>
@@ -4366,9 +4366,26 @@
           <a:lstStyle/>
           <a:p>
             <a:r>
-              <a:rPr lang="en-US" dirty="0"/>
-              <a:t>Lecture 1: Title</a:t>
-            </a:r>
+              <a:rPr lang="en-US" u="sng" dirty="0">
+                <a:solidFill>
+                  <a:schemeClr val="tx1"/>
+                </a:solidFill>
+              </a:rPr>
+              <a:t>Module x</a:t>
+            </a:r>
+            <a:r>
+              <a:rPr lang="en-US">
+                <a:solidFill>
+                  <a:schemeClr val="tx1"/>
+                </a:solidFill>
+              </a:rPr>
+              <a:t>:</a:t>
+            </a:r>
+            <a:r>
+              <a:rPr lang="en-US"/>
+              <a:t> Module title</a:t>
+            </a:r>
+            <a:endParaRPr lang="en-US" dirty="0"/>
           </a:p>
         </p:txBody>
       </p:sp>

--- a/PhysiCell-template.pptx
+++ b/PhysiCell-template.pptx
@@ -3400,7 +3400,7 @@
               </a14:hiddenLine>
             </a:ext>
             <a:ext uri="{FAA26D3D-D897-4be2-8F04-BA451C77F1D7}">
-              <ma14:placeholderFlag xmlns="" xmlns:ma14="http://schemas.microsoft.com/office/mac/drawingml/2011/main" val="1"/>
+              <ma14:placeholderFlag xmlns:ma14="http://schemas.microsoft.com/office/mac/drawingml/2011/main" xmlns="" val="1"/>
             </a:ext>
           </a:extLst>
         </p:spPr>
@@ -4462,12 +4462,18 @@
         </p:nvSpPr>
         <p:spPr/>
         <p:txBody>
-          <a:bodyPr/>
+          <a:bodyPr>
+            <a:normAutofit/>
+          </a:bodyPr>
           <a:lstStyle/>
           <a:p>
             <a:r>
-              <a:rPr lang="en-US" dirty="0"/>
-              <a:t>last updated: August ?, 2019</a:t>
+              <a:rPr lang="en-US" sz="1800" u="sng" dirty="0"/>
+              <a:t>last updated</a:t>
+            </a:r>
+            <a:r>
+              <a:rPr lang="en-US" sz="1800" dirty="0"/>
+              <a:t>: August ?, 2019</a:t>
             </a:r>
           </a:p>
         </p:txBody>
